--- a/consultorio.pptx
+++ b/consultorio.pptx
@@ -3,7 +3,7 @@
 <p:presentation xmlns:a="http://schemas.openxmlformats.org/drawingml/2006/main" xmlns:r="http://schemas.openxmlformats.org/officeDocument/2006/relationships" xmlns:p="http://schemas.openxmlformats.org/presentationml/2006/main" strictFirstAndLastChars="0" embedTrueTypeFonts="1" saveSubsetFonts="1" autoCompressPictures="0">
   <p:sldMasterIdLst>
     <p:sldMasterId id="2147483681" r:id="rId1"/>
-    <p:sldMasterId id="2147483720" r:id="rId2"/>
+    <p:sldMasterId id="2147483744" r:id="rId2"/>
   </p:sldMasterIdLst>
   <p:notesMasterIdLst>
     <p:notesMasterId r:id="rId8"/>
@@ -260,6 +260,11 @@
       </a:defRPr>
     </a:lvl9pPr>
   </p:defaultTextStyle>
+  <p:extLst>
+    <p:ext uri="{EFAFB233-063F-42B5-8137-9DF3F51BA10A}">
+      <p15:sldGuideLst xmlns:p15="http://schemas.microsoft.com/office/powerpoint/2012/main"/>
+    </p:ext>
+  </p:extLst>
 </p:presentation>
 </file>
 
@@ -11838,7 +11843,7 @@
     </p:spTree>
     <p:extLst>
       <p:ext uri="{BB962C8B-B14F-4D97-AF65-F5344CB8AC3E}">
-        <p14:creationId xmlns:p14="http://schemas.microsoft.com/office/powerpoint/2010/main" val="352249743"/>
+        <p14:creationId xmlns:p14="http://schemas.microsoft.com/office/powerpoint/2010/main" val="516567933"/>
       </p:ext>
     </p:extLst>
   </p:cSld>
@@ -12013,7 +12018,7 @@
     </p:spTree>
     <p:extLst>
       <p:ext uri="{BB962C8B-B14F-4D97-AF65-F5344CB8AC3E}">
-        <p14:creationId xmlns:p14="http://schemas.microsoft.com/office/powerpoint/2010/main" val="3557592472"/>
+        <p14:creationId xmlns:p14="http://schemas.microsoft.com/office/powerpoint/2010/main" val="2423815845"/>
       </p:ext>
     </p:extLst>
   </p:cSld>
@@ -12377,7 +12382,7 @@
     </p:spTree>
     <p:extLst>
       <p:ext uri="{BB962C8B-B14F-4D97-AF65-F5344CB8AC3E}">
-        <p14:creationId xmlns:p14="http://schemas.microsoft.com/office/powerpoint/2010/main" val="3002693154"/>
+        <p14:creationId xmlns:p14="http://schemas.microsoft.com/office/powerpoint/2010/main" val="3836507877"/>
       </p:ext>
     </p:extLst>
   </p:cSld>
@@ -12694,7 +12699,7 @@
     </p:spTree>
     <p:extLst>
       <p:ext uri="{BB962C8B-B14F-4D97-AF65-F5344CB8AC3E}">
-        <p14:creationId xmlns:p14="http://schemas.microsoft.com/office/powerpoint/2010/main" val="3078507210"/>
+        <p14:creationId xmlns:p14="http://schemas.microsoft.com/office/powerpoint/2010/main" val="296148442"/>
       </p:ext>
     </p:extLst>
   </p:cSld>
@@ -13176,7 +13181,7 @@
     </p:spTree>
     <p:extLst>
       <p:ext uri="{BB962C8B-B14F-4D97-AF65-F5344CB8AC3E}">
-        <p14:creationId xmlns:p14="http://schemas.microsoft.com/office/powerpoint/2010/main" val="2760044893"/>
+        <p14:creationId xmlns:p14="http://schemas.microsoft.com/office/powerpoint/2010/main" val="1565974846"/>
       </p:ext>
     </p:extLst>
   </p:cSld>
@@ -13299,7 +13304,7 @@
     </p:spTree>
     <p:extLst>
       <p:ext uri="{BB962C8B-B14F-4D97-AF65-F5344CB8AC3E}">
-        <p14:creationId xmlns:p14="http://schemas.microsoft.com/office/powerpoint/2010/main" val="1580695914"/>
+        <p14:creationId xmlns:p14="http://schemas.microsoft.com/office/powerpoint/2010/main" val="1338664166"/>
       </p:ext>
     </p:extLst>
   </p:cSld>
@@ -13400,7 +13405,7 @@
     </p:spTree>
     <p:extLst>
       <p:ext uri="{BB962C8B-B14F-4D97-AF65-F5344CB8AC3E}">
-        <p14:creationId xmlns:p14="http://schemas.microsoft.com/office/powerpoint/2010/main" val="3001361325"/>
+        <p14:creationId xmlns:p14="http://schemas.microsoft.com/office/powerpoint/2010/main" val="1211876162"/>
       </p:ext>
     </p:extLst>
   </p:cSld>
@@ -13815,7 +13820,7 @@
     </p:spTree>
     <p:extLst>
       <p:ext uri="{BB962C8B-B14F-4D97-AF65-F5344CB8AC3E}">
-        <p14:creationId xmlns:p14="http://schemas.microsoft.com/office/powerpoint/2010/main" val="4251062680"/>
+        <p14:creationId xmlns:p14="http://schemas.microsoft.com/office/powerpoint/2010/main" val="2060823113"/>
       </p:ext>
     </p:extLst>
   </p:cSld>
@@ -14441,7 +14446,7 @@
     </p:spTree>
     <p:extLst>
       <p:ext uri="{BB962C8B-B14F-4D97-AF65-F5344CB8AC3E}">
-        <p14:creationId xmlns:p14="http://schemas.microsoft.com/office/powerpoint/2010/main" val="1919097515"/>
+        <p14:creationId xmlns:p14="http://schemas.microsoft.com/office/powerpoint/2010/main" val="819268459"/>
       </p:ext>
     </p:extLst>
   </p:cSld>
@@ -14622,7 +14627,7 @@
     </p:spTree>
     <p:extLst>
       <p:ext uri="{BB962C8B-B14F-4D97-AF65-F5344CB8AC3E}">
-        <p14:creationId xmlns:p14="http://schemas.microsoft.com/office/powerpoint/2010/main" val="387806655"/>
+        <p14:creationId xmlns:p14="http://schemas.microsoft.com/office/powerpoint/2010/main" val="790963961"/>
       </p:ext>
     </p:extLst>
   </p:cSld>
@@ -14807,7 +14812,7 @@
     </p:spTree>
     <p:extLst>
       <p:ext uri="{BB962C8B-B14F-4D97-AF65-F5344CB8AC3E}">
-        <p14:creationId xmlns:p14="http://schemas.microsoft.com/office/powerpoint/2010/main" val="4195418668"/>
+        <p14:creationId xmlns:p14="http://schemas.microsoft.com/office/powerpoint/2010/main" val="1900651549"/>
       </p:ext>
     </p:extLst>
   </p:cSld>
@@ -18630,7 +18635,7 @@
             <a:fld id="{87DE6118-2437-4B30-8E3C-4D2BE6020583}" type="datetimeFigureOut">
               <a:rPr lang="en-US" dirty="0"/>
               <a:pPr/>
-              <a:t>1/9/2020</a:t>
+              <a:t>1/10/2020</a:t>
             </a:fld>
             <a:endParaRPr lang="en-US" dirty="0"/>
           </a:p>
@@ -18760,23 +18765,23 @@
     </p:spTree>
     <p:extLst>
       <p:ext uri="{BB962C8B-B14F-4D97-AF65-F5344CB8AC3E}">
-        <p14:creationId xmlns:p14="http://schemas.microsoft.com/office/powerpoint/2010/main" val="1980486277"/>
+        <p14:creationId xmlns:p14="http://schemas.microsoft.com/office/powerpoint/2010/main" val="1732446930"/>
       </p:ext>
     </p:extLst>
   </p:cSld>
   <p:clrMap bg1="lt1" tx1="dk1" bg2="lt2" tx2="dk2" accent1="accent1" accent2="accent2" accent3="accent3" accent4="accent4" accent5="accent5" accent6="accent6" hlink="hlink" folHlink="folHlink"/>
   <p:sldLayoutIdLst>
-    <p:sldLayoutId id="2147483721" r:id="rId1"/>
-    <p:sldLayoutId id="2147483722" r:id="rId2"/>
-    <p:sldLayoutId id="2147483723" r:id="rId3"/>
-    <p:sldLayoutId id="2147483724" r:id="rId4"/>
-    <p:sldLayoutId id="2147483725" r:id="rId5"/>
-    <p:sldLayoutId id="2147483726" r:id="rId6"/>
-    <p:sldLayoutId id="2147483727" r:id="rId7"/>
-    <p:sldLayoutId id="2147483728" r:id="rId8"/>
-    <p:sldLayoutId id="2147483729" r:id="rId9"/>
-    <p:sldLayoutId id="2147483730" r:id="rId10"/>
-    <p:sldLayoutId id="2147483731" r:id="rId11"/>
+    <p:sldLayoutId id="2147483745" r:id="rId1"/>
+    <p:sldLayoutId id="2147483746" r:id="rId2"/>
+    <p:sldLayoutId id="2147483747" r:id="rId3"/>
+    <p:sldLayoutId id="2147483748" r:id="rId4"/>
+    <p:sldLayoutId id="2147483749" r:id="rId5"/>
+    <p:sldLayoutId id="2147483750" r:id="rId6"/>
+    <p:sldLayoutId id="2147483751" r:id="rId7"/>
+    <p:sldLayoutId id="2147483752" r:id="rId8"/>
+    <p:sldLayoutId id="2147483753" r:id="rId9"/>
+    <p:sldLayoutId id="2147483754" r:id="rId10"/>
+    <p:sldLayoutId id="2147483755" r:id="rId11"/>
   </p:sldLayoutIdLst>
   <p:hf sldNum="0" hdr="0" ftr="0" dt="0"/>
   <p:txStyles>
@@ -19963,66 +19968,6 @@
           <a:chExt cx="0" cy="0"/>
         </a:xfrm>
       </p:grpSpPr>
-      <p:sp useBgFill="1">
-        <p:nvSpPr>
-          <p:cNvPr id="237" name="Rectangle 111">
-            <a:extLst>
-              <a:ext uri="{FF2B5EF4-FFF2-40B4-BE49-F238E27FC236}">
-                <a16:creationId xmlns:a16="http://schemas.microsoft.com/office/drawing/2014/main" id="{32812C54-7AEF-4ABB-826E-221F51CB0F30}"/>
-              </a:ext>
-              <a:ext uri="{C183D7F6-B498-43B3-948B-1728B52AA6E4}">
-                <adec:decorative xmlns:adec="http://schemas.microsoft.com/office/drawing/2017/decorative" val="1"/>
-              </a:ext>
-            </a:extLst>
-          </p:cNvPr>
-          <p:cNvSpPr>
-            <a:spLocks noGrp="1" noRot="1" noChangeAspect="1" noMove="1" noResize="1" noEditPoints="1" noAdjustHandles="1" noChangeArrowheads="1" noChangeShapeType="1" noTextEdit="1"/>
-          </p:cNvSpPr>
-          <p:nvPr>
-            <p:extLst>
-              <p:ext uri="{386F3935-93C4-4BCD-93E2-E3B085C9AB24}">
-                <p16:designElem xmlns:p16="http://schemas.microsoft.com/office/powerpoint/2015/main" val="1"/>
-              </p:ext>
-            </p:extLst>
-          </p:nvPr>
-        </p:nvSpPr>
-        <p:spPr>
-          <a:xfrm>
-            <a:off x="0" y="0"/>
-            <a:ext cx="9144000" cy="5143500"/>
-          </a:xfrm>
-          <a:prstGeom prst="rect">
-            <a:avLst/>
-          </a:prstGeom>
-          <a:ln>
-            <a:noFill/>
-          </a:ln>
-        </p:spPr>
-        <p:style>
-          <a:lnRef idx="2">
-            <a:schemeClr val="accent1">
-              <a:shade val="50000"/>
-            </a:schemeClr>
-          </a:lnRef>
-          <a:fillRef idx="1">
-            <a:schemeClr val="accent1"/>
-          </a:fillRef>
-          <a:effectRef idx="0">
-            <a:schemeClr val="accent1"/>
-          </a:effectRef>
-          <a:fontRef idx="minor">
-            <a:schemeClr val="lt1"/>
-          </a:fontRef>
-        </p:style>
-        <p:txBody>
-          <a:bodyPr rtlCol="0" anchor="ctr"/>
-          <a:lstStyle/>
-          <a:p>
-            <a:pPr algn="ctr"/>
-            <a:endParaRPr lang="en-US"/>
-          </a:p>
-        </p:txBody>
-      </p:sp>
       <p:sp>
         <p:nvSpPr>
           <p:cNvPr id="233" name="Google Shape;233;p41"/>
@@ -20069,116 +20014,6 @@
             </a:r>
           </a:p>
         </p:txBody>
-      </p:sp>
-      <p:sp>
-        <p:nvSpPr>
-          <p:cNvPr id="238" name="Rectangle 113">
-            <a:extLst>
-              <a:ext uri="{FF2B5EF4-FFF2-40B4-BE49-F238E27FC236}">
-                <a16:creationId xmlns:a16="http://schemas.microsoft.com/office/drawing/2014/main" id="{891F40E4-8A76-44CF-91EC-907367352626}"/>
-              </a:ext>
-              <a:ext uri="{C183D7F6-B498-43B3-948B-1728B52AA6E4}">
-                <adec:decorative xmlns:adec="http://schemas.microsoft.com/office/drawing/2017/decorative" val="1"/>
-              </a:ext>
-            </a:extLst>
-          </p:cNvPr>
-          <p:cNvSpPr>
-            <a:spLocks noGrp="1" noRot="1" noChangeAspect="1" noMove="1" noResize="1" noEditPoints="1" noAdjustHandles="1" noChangeArrowheads="1" noChangeShapeType="1" noTextEdit="1"/>
-          </p:cNvSpPr>
-          <p:nvPr>
-            <p:extLst>
-              <p:ext uri="{386F3935-93C4-4BCD-93E2-E3B085C9AB24}">
-                <p16:designElem xmlns:p16="http://schemas.microsoft.com/office/powerpoint/2015/main" val="1"/>
-              </p:ext>
-            </p:extLst>
-          </p:nvPr>
-        </p:nvSpPr>
-        <p:spPr>
-          <a:xfrm>
-            <a:off x="0" y="282"/>
-            <a:ext cx="2283308" cy="5143218"/>
-          </a:xfrm>
-          <a:prstGeom prst="rect">
-            <a:avLst/>
-          </a:prstGeom>
-          <a:solidFill>
-            <a:schemeClr val="accent1"/>
-          </a:solidFill>
-          <a:ln>
-            <a:noFill/>
-          </a:ln>
-        </p:spPr>
-        <p:style>
-          <a:lnRef idx="2">
-            <a:schemeClr val="accent1">
-              <a:shade val="50000"/>
-            </a:schemeClr>
-          </a:lnRef>
-          <a:fillRef idx="1">
-            <a:schemeClr val="accent1"/>
-          </a:fillRef>
-          <a:effectRef idx="0">
-            <a:schemeClr val="accent1"/>
-          </a:effectRef>
-          <a:fontRef idx="minor">
-            <a:schemeClr val="lt1"/>
-          </a:fontRef>
-        </p:style>
-      </p:sp>
-      <p:sp>
-        <p:nvSpPr>
-          <p:cNvPr id="239" name="Rectangle 115">
-            <a:extLst>
-              <a:ext uri="{FF2B5EF4-FFF2-40B4-BE49-F238E27FC236}">
-                <a16:creationId xmlns:a16="http://schemas.microsoft.com/office/drawing/2014/main" id="{72171013-D973-4187-9CF2-EE098EEF8194}"/>
-              </a:ext>
-              <a:ext uri="{C183D7F6-B498-43B3-948B-1728B52AA6E4}">
-                <adec:decorative xmlns:adec="http://schemas.microsoft.com/office/drawing/2017/decorative" val="1"/>
-              </a:ext>
-            </a:extLst>
-          </p:cNvPr>
-          <p:cNvSpPr>
-            <a:spLocks noGrp="1" noRot="1" noChangeAspect="1" noMove="1" noResize="1" noEditPoints="1" noAdjustHandles="1" noChangeArrowheads="1" noChangeShapeType="1" noTextEdit="1"/>
-          </p:cNvSpPr>
-          <p:nvPr>
-            <p:extLst>
-              <p:ext uri="{386F3935-93C4-4BCD-93E2-E3B085C9AB24}">
-                <p16:designElem xmlns:p16="http://schemas.microsoft.com/office/powerpoint/2015/main" val="1"/>
-              </p:ext>
-            </p:extLst>
-          </p:nvPr>
-        </p:nvSpPr>
-        <p:spPr>
-          <a:xfrm>
-            <a:off x="2111857" y="282"/>
-            <a:ext cx="171450" cy="5143500"/>
-          </a:xfrm>
-          <a:prstGeom prst="rect">
-            <a:avLst/>
-          </a:prstGeom>
-          <a:solidFill>
-            <a:schemeClr val="tx2"/>
-          </a:solidFill>
-          <a:ln>
-            <a:noFill/>
-          </a:ln>
-        </p:spPr>
-        <p:style>
-          <a:lnRef idx="2">
-            <a:schemeClr val="accent1">
-              <a:shade val="50000"/>
-            </a:schemeClr>
-          </a:lnRef>
-          <a:fillRef idx="1">
-            <a:schemeClr val="accent1"/>
-          </a:fillRef>
-          <a:effectRef idx="0">
-            <a:schemeClr val="accent1"/>
-          </a:effectRef>
-          <a:fontRef idx="minor">
-            <a:schemeClr val="lt1"/>
-          </a:fontRef>
-        </p:style>
       </p:sp>
       <p:sp>
         <p:nvSpPr>
@@ -20624,7 +20459,7 @@
 <file path=ppt/theme/theme2.xml><?xml version="1.0" encoding="utf-8"?>
 <a:theme xmlns:a="http://schemas.openxmlformats.org/drawingml/2006/main" name="Recorte">
   <a:themeElements>
-    <a:clrScheme name="Recorte">
+    <a:clrScheme name="Escala de grises">
       <a:dk1>
         <a:sysClr val="windowText" lastClr="000000"/>
       </a:dk1>
@@ -20632,34 +20467,34 @@
         <a:sysClr val="window" lastClr="FFFFFF"/>
       </a:lt1>
       <a:dk2>
-        <a:srgbClr val="1A2E40"/>
+        <a:srgbClr val="000000"/>
       </a:dk2>
       <a:lt2>
-        <a:srgbClr val="EBE7DD"/>
+        <a:srgbClr val="F8F8F8"/>
       </a:lt2>
       <a:accent1>
-        <a:srgbClr val="69A1AB"/>
+        <a:srgbClr val="DDDDDD"/>
       </a:accent1>
       <a:accent2>
-        <a:srgbClr val="F2C418"/>
+        <a:srgbClr val="B2B2B2"/>
       </a:accent2>
       <a:accent3>
-        <a:srgbClr val="87492C"/>
+        <a:srgbClr val="969696"/>
       </a:accent3>
       <a:accent4>
-        <a:srgbClr val="4A845E"/>
+        <a:srgbClr val="808080"/>
       </a:accent4>
       <a:accent5>
-        <a:srgbClr val="DC9528"/>
+        <a:srgbClr val="5F5F5F"/>
       </a:accent5>
       <a:accent6>
-        <a:srgbClr val="9A5D78"/>
+        <a:srgbClr val="4D4D4D"/>
       </a:accent6>
       <a:hlink>
-        <a:srgbClr val="66C8E3"/>
+        <a:srgbClr val="5F5F5F"/>
       </a:hlink>
       <a:folHlink>
-        <a:srgbClr val="B162A1"/>
+        <a:srgbClr val="919191"/>
       </a:folHlink>
     </a:clrScheme>
     <a:fontScheme name="Recorte">
@@ -20873,7 +20708,7 @@
   <a:extraClrSchemeLst/>
   <a:extLst>
     <a:ext uri="{05A4C25C-085E-4340-85A3-A5531E510DB2}">
-      <thm15:themeFamily xmlns:thm15="http://schemas.microsoft.com/office/thememl/2012/main" name="Crop" id="{EC9488ED-E761-4D60-9AC4-764D1FE2C171}" vid="{17F9D331-421E-442F-B033-AF5B21A44854}"/>
+      <thm15:themeFamily xmlns:thm15="http://schemas.microsoft.com/office/thememl/2012/main" name="Crop" id="{EC9488ED-E761-4D60-9AC4-764D1FE2C171}" vid="{9270AA94-2367-4B1E-B579-26147B222BD0}"/>
     </a:ext>
   </a:extLst>
 </a:theme>
